--- a/ITI/TF/Volume1/media/Figure_5.1-1.pptx
+++ b/ITI/TF/Volume1/media/Figure_5.1-1.pptx
@@ -104,6 +104,11 @@
       </a:defRPr>
     </a:lvl9pPr>
   </p:defaultTextStyle>
+  <p:extLst>
+    <p:ext uri="{EFAFB233-063F-42B5-8137-9DF3F51BA10A}">
+      <p15:sldGuideLst xmlns:p15="http://schemas.microsoft.com/office/powerpoint/2012/main"/>
+    </p:ext>
+  </p:extLst>
 </p:presentation>
 </file>
 
@@ -254,7 +259,7 @@
           <a:p>
             <a:fld id="{FF6E1099-7EB5-5B45-9A42-735EBE6844A1}" type="datetimeFigureOut">
               <a:rPr lang="en-US" smtClean="0"/>
-              <a:t>8/10/20</a:t>
+              <a:t>8/25/20</a:t>
             </a:fld>
             <a:endParaRPr lang="en-US"/>
           </a:p>
@@ -452,7 +457,7 @@
           <a:p>
             <a:fld id="{FF6E1099-7EB5-5B45-9A42-735EBE6844A1}" type="datetimeFigureOut">
               <a:rPr lang="en-US" smtClean="0"/>
-              <a:t>8/10/20</a:t>
+              <a:t>8/25/20</a:t>
             </a:fld>
             <a:endParaRPr lang="en-US"/>
           </a:p>
@@ -660,7 +665,7 @@
           <a:p>
             <a:fld id="{FF6E1099-7EB5-5B45-9A42-735EBE6844A1}" type="datetimeFigureOut">
               <a:rPr lang="en-US" smtClean="0"/>
-              <a:t>8/10/20</a:t>
+              <a:t>8/25/20</a:t>
             </a:fld>
             <a:endParaRPr lang="en-US"/>
           </a:p>
@@ -858,7 +863,7 @@
           <a:p>
             <a:fld id="{FF6E1099-7EB5-5B45-9A42-735EBE6844A1}" type="datetimeFigureOut">
               <a:rPr lang="en-US" smtClean="0"/>
-              <a:t>8/10/20</a:t>
+              <a:t>8/25/20</a:t>
             </a:fld>
             <a:endParaRPr lang="en-US"/>
           </a:p>
@@ -1133,7 +1138,7 @@
           <a:p>
             <a:fld id="{FF6E1099-7EB5-5B45-9A42-735EBE6844A1}" type="datetimeFigureOut">
               <a:rPr lang="en-US" smtClean="0"/>
-              <a:t>8/10/20</a:t>
+              <a:t>8/25/20</a:t>
             </a:fld>
             <a:endParaRPr lang="en-US"/>
           </a:p>
@@ -1398,7 +1403,7 @@
           <a:p>
             <a:fld id="{FF6E1099-7EB5-5B45-9A42-735EBE6844A1}" type="datetimeFigureOut">
               <a:rPr lang="en-US" smtClean="0"/>
-              <a:t>8/10/20</a:t>
+              <a:t>8/25/20</a:t>
             </a:fld>
             <a:endParaRPr lang="en-US"/>
           </a:p>
@@ -1810,7 +1815,7 @@
           <a:p>
             <a:fld id="{FF6E1099-7EB5-5B45-9A42-735EBE6844A1}" type="datetimeFigureOut">
               <a:rPr lang="en-US" smtClean="0"/>
-              <a:t>8/10/20</a:t>
+              <a:t>8/25/20</a:t>
             </a:fld>
             <a:endParaRPr lang="en-US"/>
           </a:p>
@@ -1951,7 +1956,7 @@
           <a:p>
             <a:fld id="{FF6E1099-7EB5-5B45-9A42-735EBE6844A1}" type="datetimeFigureOut">
               <a:rPr lang="en-US" smtClean="0"/>
-              <a:t>8/10/20</a:t>
+              <a:t>8/25/20</a:t>
             </a:fld>
             <a:endParaRPr lang="en-US"/>
           </a:p>
@@ -2064,7 +2069,7 @@
           <a:p>
             <a:fld id="{FF6E1099-7EB5-5B45-9A42-735EBE6844A1}" type="datetimeFigureOut">
               <a:rPr lang="en-US" smtClean="0"/>
-              <a:t>8/10/20</a:t>
+              <a:t>8/25/20</a:t>
             </a:fld>
             <a:endParaRPr lang="en-US"/>
           </a:p>
@@ -2375,7 +2380,7 @@
           <a:p>
             <a:fld id="{FF6E1099-7EB5-5B45-9A42-735EBE6844A1}" type="datetimeFigureOut">
               <a:rPr lang="en-US" smtClean="0"/>
-              <a:t>8/10/20</a:t>
+              <a:t>8/25/20</a:t>
             </a:fld>
             <a:endParaRPr lang="en-US"/>
           </a:p>
@@ -2663,7 +2668,7 @@
           <a:p>
             <a:fld id="{FF6E1099-7EB5-5B45-9A42-735EBE6844A1}" type="datetimeFigureOut">
               <a:rPr lang="en-US" smtClean="0"/>
-              <a:t>8/10/20</a:t>
+              <a:t>8/25/20</a:t>
             </a:fld>
             <a:endParaRPr lang="en-US"/>
           </a:p>
@@ -2904,7 +2909,7 @@
           <a:p>
             <a:fld id="{FF6E1099-7EB5-5B45-9A42-735EBE6844A1}" type="datetimeFigureOut">
               <a:rPr lang="en-US" smtClean="0"/>
-              <a:t>8/10/20</a:t>
+              <a:t>8/25/20</a:t>
             </a:fld>
             <a:endParaRPr lang="en-US"/>
           </a:p>
@@ -3496,7 +3501,7 @@
               <a:tabLst/>
             </a:pPr>
             <a:r>
-              <a:rPr kumimoji="0" lang="en-AU" altLang="en-US" sz="1000" b="0" i="0" u="none" strike="noStrike" cap="none" normalizeH="0" baseline="0">
+              <a:rPr kumimoji="0" lang="en-AU" altLang="en-US" sz="1000" b="0" i="0" u="none" strike="noStrike" cap="none" normalizeH="0" baseline="0" dirty="0">
                 <a:ln>
                   <a:noFill/>
                 </a:ln>
@@ -3510,7 +3515,7 @@
               <a:t>Patient Identity Feed [ITI-8]</a:t>
             </a:r>
             <a:r>
-              <a:rPr kumimoji="0" lang="en-AU" altLang="en-US" sz="1000" b="0" i="0" u="none" strike="noStrike" cap="none" normalizeH="0" baseline="0">
+              <a:rPr kumimoji="0" lang="en-AU" altLang="en-US" sz="1000" b="0" i="0" u="none" strike="noStrike" cap="none" normalizeH="0" baseline="0" dirty="0">
                 <a:ln>
                   <a:noFill/>
                 </a:ln>
@@ -3598,7 +3603,7 @@
               <a:tabLst/>
             </a:pPr>
             <a:r>
-              <a:rPr kumimoji="0" lang="en-AU" altLang="en-US" sz="1000" b="0" i="0" u="none" strike="noStrike" cap="none" normalizeH="0" baseline="0">
+              <a:rPr kumimoji="0" lang="en-AU" altLang="en-US" sz="1000" b="0" i="0" u="none" strike="noStrike" cap="none" normalizeH="0" baseline="0" dirty="0">
                 <a:ln>
                   <a:noFill/>
                 </a:ln>
@@ -3613,7 +3618,7 @@
               <a:t></a:t>
             </a:r>
             <a:r>
-              <a:rPr kumimoji="0" lang="en-AU" altLang="en-US" sz="1000" b="0" i="0" u="none" strike="noStrike" cap="none" normalizeH="0" baseline="0">
+              <a:rPr kumimoji="0" lang="en-AU" altLang="en-US" sz="1000" b="0" i="0" u="none" strike="noStrike" cap="none" normalizeH="0" baseline="0" dirty="0">
                 <a:ln>
                   <a:noFill/>
                 </a:ln>
@@ -3625,7 +3630,7 @@
               </a:rPr>
               <a:t> PIX Query [ITI-9]</a:t>
             </a:r>
-            <a:endParaRPr kumimoji="0" lang="en-AU" altLang="en-US" sz="1000" b="0" i="0" u="none" strike="noStrike" cap="none" normalizeH="0" baseline="0">
+            <a:endParaRPr kumimoji="0" lang="en-AU" altLang="en-US" sz="1000" b="0" i="0" u="none" strike="noStrike" cap="none" normalizeH="0" baseline="0" dirty="0">
               <a:ln>
                 <a:noFill/>
               </a:ln>
@@ -3655,7 +3660,7 @@
               <a:tabLst/>
             </a:pPr>
             <a:r>
-              <a:rPr kumimoji="0" lang="en-AU" altLang="en-US" sz="1000" b="0" i="0" u="none" strike="noStrike" cap="none" normalizeH="0" baseline="0">
+              <a:rPr kumimoji="0" lang="en-AU" altLang="en-US" sz="1000" b="0" i="0" u="none" strike="noStrike" cap="none" normalizeH="0" baseline="0" dirty="0">
                 <a:ln>
                   <a:noFill/>
                 </a:ln>
@@ -3670,7 +3675,7 @@
               <a:t></a:t>
             </a:r>
             <a:r>
-              <a:rPr kumimoji="0" lang="en-AU" altLang="en-US" sz="1000" b="0" i="0" u="none" strike="noStrike" cap="none" normalizeH="0" baseline="0">
+              <a:rPr kumimoji="0" lang="en-AU" altLang="en-US" sz="1000" b="0" i="0" u="none" strike="noStrike" cap="none" normalizeH="0" baseline="0" dirty="0">
                 <a:ln>
                   <a:noFill/>
                 </a:ln>
@@ -3682,7 +3687,7 @@
               </a:rPr>
               <a:t> PIX Update Notification [ITI-10]</a:t>
             </a:r>
-            <a:endParaRPr kumimoji="0" lang="en-AU" altLang="en-US" sz="1000" b="0" i="0" u="none" strike="noStrike" cap="none" normalizeH="0" baseline="0">
+            <a:endParaRPr kumimoji="0" lang="en-AU" altLang="en-US" sz="1000" b="0" i="0" u="none" strike="noStrike" cap="none" normalizeH="0" baseline="0" dirty="0">
               <a:ln>
                 <a:noFill/>
               </a:ln>
@@ -3841,7 +3846,7 @@
               <a:tabLst/>
             </a:pPr>
             <a:r>
-              <a:rPr kumimoji="0" lang="en-AU" altLang="en-US" sz="1000" b="0" i="0" u="none" strike="noStrike" cap="none" normalizeH="0" baseline="0">
+              <a:rPr kumimoji="0" lang="en-AU" altLang="en-US" sz="1000" b="0" i="0" u="none" strike="noStrike" cap="none" normalizeH="0" baseline="0" dirty="0">
                 <a:ln>
                   <a:noFill/>
                 </a:ln>
@@ -3854,7 +3859,7 @@
               </a:rPr>
               <a:t>Patient Identifier Cross-reference Consumer</a:t>
             </a:r>
-            <a:endParaRPr kumimoji="0" lang="en-AU" altLang="en-US" sz="1800" b="0" i="0" u="none" strike="noStrike" cap="none" normalizeH="0" baseline="0">
+            <a:endParaRPr kumimoji="0" lang="en-AU" altLang="en-US" sz="1800" b="0" i="0" u="none" strike="noStrike" cap="none" normalizeH="0" baseline="0" dirty="0">
               <a:ln>
                 <a:noFill/>
               </a:ln>
@@ -3980,7 +3985,7 @@
               <a:tabLst/>
             </a:pPr>
             <a:r>
-              <a:rPr kumimoji="0" lang="en-AU" altLang="en-US" sz="1000" b="0" i="0" u="none" strike="noStrike" cap="none" normalizeH="0" baseline="0">
+              <a:rPr kumimoji="0" lang="en-AU" altLang="en-US" sz="1000" b="0" i="0" u="none" strike="noStrike" cap="none" normalizeH="0" baseline="0" dirty="0">
                 <a:ln>
                   <a:noFill/>
                 </a:ln>
@@ -3994,7 +3999,7 @@
               <a:t>HL7 V2.5 [ITI-30]</a:t>
             </a:r>
             <a:r>
-              <a:rPr kumimoji="0" lang="en-AU" altLang="en-US" sz="1000" b="0" i="0" u="none" strike="noStrike" cap="none" normalizeH="0" baseline="0">
+              <a:rPr kumimoji="0" lang="en-AU" altLang="en-US" sz="1000" b="0" i="0" u="none" strike="noStrike" cap="none" normalizeH="0" baseline="0" dirty="0">
                 <a:ln>
                   <a:noFill/>
                 </a:ln>
@@ -4659,6 +4664,208 @@
           </a:bodyPr>
           <a:lstStyle/>
           <a:p>
+            <a:endParaRPr lang="en-US"/>
+          </a:p>
+        </p:txBody>
+      </p:sp>
+      <p:sp>
+        <p:nvSpPr>
+          <p:cNvPr id="20" name="Line 10">
+            <a:extLst>
+              <a:ext uri="{FF2B5EF4-FFF2-40B4-BE49-F238E27FC236}">
+                <a16:creationId xmlns:a16="http://schemas.microsoft.com/office/drawing/2014/main" id="{1EE9B3B8-D3FD-EF45-99FF-EB25A7F09D31}"/>
+              </a:ext>
+            </a:extLst>
+          </p:cNvPr>
+          <p:cNvSpPr>
+            <a:spLocks noChangeShapeType="1"/>
+          </p:cNvSpPr>
+          <p:nvPr/>
+        </p:nvSpPr>
+        <p:spPr bwMode="auto">
+          <a:xfrm>
+            <a:off x="2538296" y="1377950"/>
+            <a:ext cx="0" cy="881063"/>
+          </a:xfrm>
+          <a:prstGeom prst="line">
+            <a:avLst/>
+          </a:prstGeom>
+          <a:noFill/>
+          <a:ln w="19050">
+            <a:solidFill>
+              <a:srgbClr val="000000"/>
+            </a:solidFill>
+            <a:round/>
+            <a:headEnd/>
+            <a:tailEnd/>
+          </a:ln>
+          <a:extLst>
+            <a:ext uri="{909E8E84-426E-40DD-AFC4-6F175D3DCCD1}">
+              <a14:hiddenFill xmlns:a14="http://schemas.microsoft.com/office/drawing/2010/main">
+                <a:noFill/>
+              </a14:hiddenFill>
+            </a:ext>
+          </a:extLst>
+        </p:spPr>
+        <p:txBody>
+          <a:bodyPr vert="horz" wrap="square" lIns="91440" tIns="45720" rIns="91440" bIns="45720" numCol="1" anchor="t" anchorCtr="0" compatLnSpc="1">
+            <a:prstTxWarp prst="textNoShape">
+              <a:avLst/>
+            </a:prstTxWarp>
+          </a:bodyPr>
+          <a:lstStyle/>
+          <a:p>
+            <a:endParaRPr lang="en-US"/>
+          </a:p>
+        </p:txBody>
+      </p:sp>
+      <p:sp>
+        <p:nvSpPr>
+          <p:cNvPr id="21" name="Line 10">
+            <a:extLst>
+              <a:ext uri="{FF2B5EF4-FFF2-40B4-BE49-F238E27FC236}">
+                <a16:creationId xmlns:a16="http://schemas.microsoft.com/office/drawing/2014/main" id="{7C17F658-B504-CD4B-B328-232D02DFA836}"/>
+              </a:ext>
+            </a:extLst>
+          </p:cNvPr>
+          <p:cNvSpPr>
+            <a:spLocks noChangeShapeType="1"/>
+          </p:cNvSpPr>
+          <p:nvPr/>
+        </p:nvSpPr>
+        <p:spPr bwMode="auto">
+          <a:xfrm>
+            <a:off x="4374530" y="1524000"/>
+            <a:ext cx="0" cy="881063"/>
+          </a:xfrm>
+          <a:prstGeom prst="line">
+            <a:avLst/>
+          </a:prstGeom>
+          <a:noFill/>
+          <a:ln w="19050">
+            <a:solidFill>
+              <a:srgbClr val="000000"/>
+            </a:solidFill>
+            <a:round/>
+            <a:headEnd/>
+            <a:tailEnd/>
+          </a:ln>
+          <a:extLst>
+            <a:ext uri="{909E8E84-426E-40DD-AFC4-6F175D3DCCD1}">
+              <a14:hiddenFill xmlns:a14="http://schemas.microsoft.com/office/drawing/2010/main">
+                <a:noFill/>
+              </a14:hiddenFill>
+            </a:ext>
+          </a:extLst>
+        </p:spPr>
+        <p:txBody>
+          <a:bodyPr vert="horz" wrap="square" lIns="91440" tIns="45720" rIns="91440" bIns="45720" numCol="1" anchor="t" anchorCtr="0" compatLnSpc="1">
+            <a:prstTxWarp prst="textNoShape">
+              <a:avLst/>
+            </a:prstTxWarp>
+          </a:bodyPr>
+          <a:lstStyle/>
+          <a:p>
+            <a:endParaRPr lang="en-US"/>
+          </a:p>
+        </p:txBody>
+      </p:sp>
+      <p:sp>
+        <p:nvSpPr>
+          <p:cNvPr id="22" name="Line 10">
+            <a:extLst>
+              <a:ext uri="{FF2B5EF4-FFF2-40B4-BE49-F238E27FC236}">
+                <a16:creationId xmlns:a16="http://schemas.microsoft.com/office/drawing/2014/main" id="{F255DA4A-DA0C-514E-B03E-31D391958ECB}"/>
+              </a:ext>
+            </a:extLst>
+          </p:cNvPr>
+          <p:cNvSpPr>
+            <a:spLocks noChangeShapeType="1"/>
+          </p:cNvSpPr>
+          <p:nvPr/>
+        </p:nvSpPr>
+        <p:spPr bwMode="auto">
+          <a:xfrm flipV="1">
+            <a:off x="3267075" y="2577735"/>
+            <a:ext cx="955035" cy="11112"/>
+          </a:xfrm>
+          <a:prstGeom prst="line">
+            <a:avLst/>
+          </a:prstGeom>
+          <a:noFill/>
+          <a:ln w="19050">
+            <a:solidFill>
+              <a:srgbClr val="000000"/>
+            </a:solidFill>
+            <a:round/>
+            <a:headEnd/>
+            <a:tailEnd/>
+          </a:ln>
+          <a:extLst>
+            <a:ext uri="{909E8E84-426E-40DD-AFC4-6F175D3DCCD1}">
+              <a14:hiddenFill xmlns:a14="http://schemas.microsoft.com/office/drawing/2010/main">
+                <a:noFill/>
+              </a14:hiddenFill>
+            </a:ext>
+          </a:extLst>
+        </p:spPr>
+        <p:txBody>
+          <a:bodyPr vert="horz" wrap="square" lIns="91440" tIns="45720" rIns="91440" bIns="45720" numCol="1" anchor="t" anchorCtr="0" compatLnSpc="1">
+            <a:prstTxWarp prst="textNoShape">
+              <a:avLst/>
+            </a:prstTxWarp>
+          </a:bodyPr>
+          <a:lstStyle/>
+          <a:p>
+            <a:endParaRPr lang="en-US"/>
+          </a:p>
+        </p:txBody>
+      </p:sp>
+      <p:sp>
+        <p:nvSpPr>
+          <p:cNvPr id="2" name="Arc 1">
+            <a:extLst>
+              <a:ext uri="{FF2B5EF4-FFF2-40B4-BE49-F238E27FC236}">
+                <a16:creationId xmlns:a16="http://schemas.microsoft.com/office/drawing/2014/main" id="{27FED0DE-B261-074F-B77A-3DE311503E27}"/>
+              </a:ext>
+            </a:extLst>
+          </p:cNvPr>
+          <p:cNvSpPr/>
+          <p:nvPr/>
+        </p:nvSpPr>
+        <p:spPr>
+          <a:xfrm rot="5400000">
+            <a:off x="4029537" y="2223853"/>
+            <a:ext cx="366714" cy="318196"/>
+          </a:xfrm>
+          <a:prstGeom prst="arc">
+            <a:avLst/>
+          </a:prstGeom>
+          <a:ln w="19050">
+            <a:solidFill>
+              <a:schemeClr val="tx1"/>
+            </a:solidFill>
+          </a:ln>
+        </p:spPr>
+        <p:style>
+          <a:lnRef idx="1">
+            <a:schemeClr val="accent1"/>
+          </a:lnRef>
+          <a:fillRef idx="0">
+            <a:schemeClr val="accent1"/>
+          </a:fillRef>
+          <a:effectRef idx="0">
+            <a:schemeClr val="accent1"/>
+          </a:effectRef>
+          <a:fontRef idx="minor">
+            <a:schemeClr val="tx1"/>
+          </a:fontRef>
+        </p:style>
+        <p:txBody>
+          <a:bodyPr rtlCol="0" anchor="ctr"/>
+          <a:lstStyle/>
+          <a:p>
+            <a:pPr algn="ctr"/>
             <a:endParaRPr lang="en-US"/>
           </a:p>
         </p:txBody>
